--- a/milestone 4/Fake News Detection.pptx
+++ b/milestone 4/Fake News Detection.pptx
@@ -958,7 +958,7 @@
         </p:nvSpPr>
         <p:spPr>
           <a:xfrm>
-            <a:off x="381300" y="685800"/>
+            <a:off x="381000" y="685800"/>
             <a:ext cx="6096000" cy="3429000"/>
           </a:xfrm>
           <a:custGeom>
@@ -1062,7 +1062,7 @@
         </p:nvSpPr>
         <p:spPr>
           <a:xfrm>
-            <a:off x="381300" y="685800"/>
+            <a:off x="381000" y="685800"/>
             <a:ext cx="6096000" cy="3429000"/>
           </a:xfrm>
           <a:custGeom>
@@ -1166,7 +1166,7 @@
         </p:nvSpPr>
         <p:spPr>
           <a:xfrm>
-            <a:off x="381300" y="685800"/>
+            <a:off x="381000" y="685800"/>
             <a:ext cx="6096000" cy="3429000"/>
           </a:xfrm>
           <a:custGeom>
@@ -1270,7 +1270,7 @@
         </p:nvSpPr>
         <p:spPr>
           <a:xfrm>
-            <a:off x="381300" y="685800"/>
+            <a:off x="381000" y="685800"/>
             <a:ext cx="6096000" cy="3429000"/>
           </a:xfrm>
           <a:custGeom>
@@ -1374,7 +1374,7 @@
         </p:nvSpPr>
         <p:spPr>
           <a:xfrm>
-            <a:off x="381300" y="685800"/>
+            <a:off x="381000" y="685800"/>
             <a:ext cx="6096000" cy="3429000"/>
           </a:xfrm>
           <a:custGeom>
@@ -1478,7 +1478,7 @@
         </p:nvSpPr>
         <p:spPr>
           <a:xfrm>
-            <a:off x="381300" y="685800"/>
+            <a:off x="381000" y="685800"/>
             <a:ext cx="6096000" cy="3429000"/>
           </a:xfrm>
           <a:custGeom>
@@ -1686,7 +1686,7 @@
         </p:nvSpPr>
         <p:spPr>
           <a:xfrm>
-            <a:off x="381300" y="685800"/>
+            <a:off x="381000" y="685800"/>
             <a:ext cx="6096000" cy="3429000"/>
           </a:xfrm>
           <a:custGeom>
@@ -8694,7 +8694,12 @@
             <p:ph type="body" idx="1"/>
           </p:nvPr>
         </p:nvSpPr>
-        <p:spPr/>
+        <p:spPr>
+          <a:xfrm>
+            <a:off x="311700" y="1729408"/>
+            <a:ext cx="8520600" cy="3339000"/>
+          </a:xfrm>
+        </p:spPr>
         <p:txBody>
           <a:bodyPr>
             <a:normAutofit/>
@@ -8712,7 +8717,7 @@
                 <a:latin typeface="Arial"/>
                 <a:cs typeface="Arial"/>
               </a:rPr>
-              <a:t>Just like in Section 4.2, we employed the "</a:t>
+              <a:t>We employed the "</a:t>
             </a:r>
             <a:r>
               <a:rPr lang="en-US" sz="1300" dirty="0" err="1">
@@ -8772,12 +8777,9 @@
                 <a:latin typeface="Arial"/>
                 <a:cs typeface="Arial"/>
               </a:rPr>
-              <a:t> activation function, resulting in a two-dimensional output. After evaluation on the test set, the accuracy of the BERT + LSTM model reached 70.24\%, with an F1 score of 0.558</a:t>
+              <a:t> activation function, resulting in a two-dimensional output. </a:t>
             </a:r>
-            <a:r>
-              <a:rPr lang="en-US" dirty="0"/>
-              <a:t>.</a:t>
-            </a:r>
+            <a:endParaRPr lang="en-US" dirty="0"/>
           </a:p>
         </p:txBody>
       </p:sp>
@@ -8875,13 +8877,13 @@
           <p:nvPr>
             <p:extLst>
               <p:ext uri="{D42A27DB-BD31-4B8C-83A1-F6EECF244321}">
-                <p14:modId xmlns:p14="http://schemas.microsoft.com/office/powerpoint/2010/main" val="2080981501"/>
+                <p14:modId xmlns:p14="http://schemas.microsoft.com/office/powerpoint/2010/main" val="964204920"/>
               </p:ext>
             </p:extLst>
           </p:nvPr>
         </p:nvGraphicFramePr>
         <p:xfrm>
-          <a:off x="952500" y="1809750"/>
+          <a:off x="952500" y="1250950"/>
           <a:ext cx="7239000" cy="2834490"/>
         </p:xfrm>
         <a:graphic>
@@ -8953,10 +8955,10 @@
                         <a:buNone/>
                       </a:pPr>
                       <a:r>
-                        <a:rPr lang="zh-CN"/>
+                        <a:rPr lang="zh-CN" dirty="0"/>
                         <a:t>Accuarcy</a:t>
                       </a:r>
-                      <a:endParaRPr/>
+                      <a:endParaRPr dirty="0"/>
                     </a:p>
                   </a:txBody>
                   <a:tcPr marL="91425" marR="91425" marT="91425" marB="91425"/>
@@ -9390,7 +9392,7 @@
                         <a:buNone/>
                       </a:pPr>
                       <a:r>
-                        <a:rPr lang="en-US"/>
+                        <a:rPr lang="en-US" dirty="0"/>
                         <a:t>0.56</a:t>
                       </a:r>
                       <a:endParaRPr dirty="0"/>
@@ -10387,7 +10389,7 @@
         </p:spPr>
         <p:txBody>
           <a:bodyPr spcFirstLastPara="1" wrap="square" lIns="91425" tIns="91425" rIns="91425" bIns="91425" anchor="t" anchorCtr="0">
-            <a:normAutofit lnSpcReduction="10000"/>
+            <a:normAutofit/>
           </a:bodyPr>
           <a:lstStyle/>
           <a:p>
@@ -10783,7 +10785,7 @@
         </p:blipFill>
         <p:spPr>
           <a:xfrm>
-            <a:off x="3546288" y="3156250"/>
+            <a:off x="3546287" y="3335450"/>
             <a:ext cx="1962600" cy="510675"/>
           </a:xfrm>
           <a:prstGeom prst="rect">
@@ -11187,7 +11189,31 @@
                 <a:cs typeface="Arial"/>
                 <a:sym typeface="Arial"/>
               </a:rPr>
-              <a:t>We use two datasets in this project. It reads data from two distinct datasets, the LIAR dataset and the FNC-1 dataset, processes the text to remove noise and standardize the format, and subsequently converts the textual data into numerical representations using Term FrequencyInverse Document Frequency (TF-IDF) vectorization. Specifically, we map the multi-class labels from both datasets to a binary classification scheme:</a:t>
+              <a:t>We use two datasets in this project. It reads data from two distinct datasets, the LIAR dataset and the FNC-1 dataset, processes the text to remove noise and standardize the format, and subsequently converts the textual data into numerical representations using </a:t>
+            </a:r>
+            <a:r>
+              <a:rPr lang="en-US" altLang="zh-CN" sz="1120" dirty="0">
+                <a:solidFill>
+                  <a:srgbClr val="000000"/>
+                </a:solidFill>
+                <a:latin typeface="Arial"/>
+                <a:ea typeface="Arial"/>
+                <a:cs typeface="Arial"/>
+                <a:sym typeface="Arial"/>
+              </a:rPr>
+              <a:t>word2vec</a:t>
+            </a:r>
+            <a:r>
+              <a:rPr lang="zh-CN" sz="1120" dirty="0">
+                <a:solidFill>
+                  <a:srgbClr val="000000"/>
+                </a:solidFill>
+                <a:latin typeface="Arial"/>
+                <a:ea typeface="Arial"/>
+                <a:cs typeface="Arial"/>
+                <a:sym typeface="Arial"/>
+              </a:rPr>
+              <a:t> vectorization. Specifically, we map the multi-class labels from both datasets to a binary classification scheme:</a:t>
             </a:r>
             <a:endParaRPr sz="1120" dirty="0">
               <a:solidFill>
@@ -11285,8 +11311,32 @@
               <a:buSzPts val="935"/>
               <a:buNone/>
             </a:pPr>
+            <a:endParaRPr lang="en-US" altLang="zh-CN" sz="1120" dirty="0">
+              <a:solidFill>
+                <a:srgbClr val="000000"/>
+              </a:solidFill>
+              <a:latin typeface="Arial"/>
+              <a:ea typeface="Arial"/>
+              <a:cs typeface="Arial"/>
+              <a:sym typeface="Arial"/>
+            </a:endParaRPr>
+          </a:p>
+          <a:p>
+            <a:pPr marL="0" lvl="0" indent="0" algn="just" rtl="0">
+              <a:lnSpc>
+                <a:spcPct val="95000"/>
+              </a:lnSpc>
+              <a:spcBef>
+                <a:spcPts val="0"/>
+              </a:spcBef>
+              <a:spcAft>
+                <a:spcPts val="0"/>
+              </a:spcAft>
+              <a:buSzPts val="935"/>
+              <a:buNone/>
+            </a:pPr>
             <a:r>
-              <a:rPr lang="zh-CN" sz="1120" dirty="0">
+              <a:rPr lang="en-US" altLang="zh-CN" sz="1120" dirty="0">
                 <a:solidFill>
                   <a:srgbClr val="000000"/>
                 </a:solidFill>
@@ -11295,10 +11345,10 @@
                 <a:cs typeface="Arial"/>
                 <a:sym typeface="Arial"/>
               </a:rPr>
-              <a:t>We train a 4-layer neural network model with only the LIAR dataset of 10 epochs and a batch size of 256. The accuracy on testset is </a:t>
+              <a:t>           </a:t>
             </a:r>
             <a:r>
-              <a:rPr lang="zh-CN" sz="1120" b="1" dirty="0">
+              <a:rPr lang="zh-CN" sz="1120" dirty="0">
                 <a:solidFill>
                   <a:srgbClr val="000000"/>
                 </a:solidFill>
@@ -11307,43 +11357,7 @@
                 <a:cs typeface="Arial"/>
                 <a:sym typeface="Arial"/>
               </a:rPr>
-              <a:t>64.72% </a:t>
-            </a:r>
-            <a:r>
-              <a:rPr lang="zh-CN" sz="1120" dirty="0">
-                <a:solidFill>
-                  <a:srgbClr val="000000"/>
-                </a:solidFill>
-                <a:latin typeface="Arial"/>
-                <a:ea typeface="Arial"/>
-                <a:cs typeface="Arial"/>
-                <a:sym typeface="Arial"/>
-              </a:rPr>
-              <a:t>and the F1 score is </a:t>
-            </a:r>
-            <a:r>
-              <a:rPr lang="zh-CN" sz="1120" b="1" dirty="0">
-                <a:solidFill>
-                  <a:srgbClr val="000000"/>
-                </a:solidFill>
-                <a:latin typeface="Arial"/>
-                <a:ea typeface="Arial"/>
-                <a:cs typeface="Arial"/>
-                <a:sym typeface="Arial"/>
-              </a:rPr>
-              <a:t>0.40</a:t>
-            </a:r>
-            <a:r>
-              <a:rPr lang="zh-CN" sz="1120" dirty="0">
-                <a:solidFill>
-                  <a:srgbClr val="000000"/>
-                </a:solidFill>
-                <a:latin typeface="Arial"/>
-                <a:ea typeface="Arial"/>
-                <a:cs typeface="Arial"/>
-                <a:sym typeface="Arial"/>
-              </a:rPr>
-              <a:t>.</a:t>
+              <a:t>We train a 4-layer neural network model with only the LIAR dataset of 10 epochs and a batch size of 256. </a:t>
             </a:r>
             <a:endParaRPr sz="1120" dirty="0">
               <a:solidFill>
@@ -11379,10 +11393,10 @@
                 <a:cs typeface="Arial"/>
                 <a:sym typeface="Arial"/>
               </a:rPr>
-              <a:t>To use the FNC dataset which gives the relation label for news body and news title, we trained a simple neural network. We got </a:t>
+              <a:t>To use the FNC dataset which gives the relation label for news body and news title, we trained a simple neural network</a:t>
             </a:r>
             <a:r>
-              <a:rPr lang="zh-CN" sz="1120" b="1" i="1" dirty="0">
+              <a:rPr lang="en-US" altLang="zh-CN" sz="1120" dirty="0">
                 <a:solidFill>
                   <a:srgbClr val="000000"/>
                 </a:solidFill>
@@ -11391,7 +11405,7 @@
                 <a:cs typeface="Arial"/>
                 <a:sym typeface="Arial"/>
               </a:rPr>
-              <a:t>64.85% </a:t>
+              <a:t> to extract features</a:t>
             </a:r>
             <a:r>
               <a:rPr lang="zh-CN" sz="1120" dirty="0">
@@ -11403,31 +11417,7 @@
                 <a:cs typeface="Arial"/>
                 <a:sym typeface="Arial"/>
               </a:rPr>
-              <a:t>accuracy and </a:t>
-            </a:r>
-            <a:r>
-              <a:rPr lang="zh-CN" sz="1120" b="1" i="1" dirty="0">
-                <a:solidFill>
-                  <a:srgbClr val="000000"/>
-                </a:solidFill>
-                <a:latin typeface="Arial"/>
-                <a:ea typeface="Arial"/>
-                <a:cs typeface="Arial"/>
-                <a:sym typeface="Arial"/>
-              </a:rPr>
-              <a:t>0.51 </a:t>
-            </a:r>
-            <a:r>
-              <a:rPr lang="zh-CN" sz="1120" dirty="0">
-                <a:solidFill>
-                  <a:srgbClr val="000000"/>
-                </a:solidFill>
-                <a:latin typeface="Arial"/>
-                <a:ea typeface="Arial"/>
-                <a:cs typeface="Arial"/>
-                <a:sym typeface="Arial"/>
-              </a:rPr>
-              <a:t>f1 score for this model. We are assuming this model should have some feature extraction function after training. Then, we feed the LIAR data into this model, we can get a binary label indicating a potential relationship between the first sentence and the rest sentence.</a:t>
+              <a:t>. We are assuming this model should have some feature extraction function after training. Then, we feed the LIAR data into this model, we can get a binary label indicating a potential relationship between the first sentence and the rest sentence.</a:t>
             </a:r>
             <a:endParaRPr sz="1120" dirty="0">
               <a:solidFill>
@@ -11463,10 +11453,10 @@
                 <a:cs typeface="Arial"/>
                 <a:sym typeface="Arial"/>
               </a:rPr>
-              <a:t>With the extra feature obtained from the FNC model, we train a new neural network with the structure as the first model. The f1 score is better than the model using just LIAR dataset - </a:t>
+              <a:t>With the extra feature obtained from the FNC model, we train a new neural network with the structure as the first model. </a:t>
             </a:r>
             <a:r>
-              <a:rPr lang="zh-CN" sz="1120" b="1" dirty="0">
+              <a:rPr lang="en-US" altLang="zh-CN" sz="1120" dirty="0">
                 <a:solidFill>
                   <a:srgbClr val="000000"/>
                 </a:solidFill>
@@ -11475,189 +11465,12 @@
                 <a:cs typeface="Arial"/>
                 <a:sym typeface="Arial"/>
               </a:rPr>
-              <a:t>0.45</a:t>
-            </a:r>
-            <a:r>
-              <a:rPr lang="zh-CN" sz="1120" dirty="0">
-                <a:solidFill>
-                  <a:srgbClr val="000000"/>
-                </a:solidFill>
-                <a:latin typeface="Arial"/>
-                <a:ea typeface="Arial"/>
-                <a:cs typeface="Arial"/>
-                <a:sym typeface="Arial"/>
-              </a:rPr>
-              <a:t>, but the accuracy, </a:t>
-            </a:r>
-            <a:r>
-              <a:rPr lang="zh-CN" sz="1120" b="1" dirty="0">
-                <a:solidFill>
-                  <a:srgbClr val="000000"/>
-                </a:solidFill>
-                <a:latin typeface="Arial"/>
-                <a:ea typeface="Arial"/>
-                <a:cs typeface="Arial"/>
-                <a:sym typeface="Arial"/>
-              </a:rPr>
-              <a:t>62.11%</a:t>
-            </a:r>
-            <a:r>
-              <a:rPr lang="zh-CN" sz="1120" dirty="0">
-                <a:solidFill>
-                  <a:srgbClr val="000000"/>
-                </a:solidFill>
-                <a:latin typeface="Arial"/>
-                <a:ea typeface="Arial"/>
-                <a:cs typeface="Arial"/>
-                <a:sym typeface="Arial"/>
-              </a:rPr>
-              <a:t>, is lower than the first model.</a:t>
+              <a:t>The result will be shown later.</a:t>
             </a:r>
             <a:endParaRPr sz="1120" dirty="0">
               <a:solidFill>
                 <a:srgbClr val="000000"/>
               </a:solidFill>
-              <a:latin typeface="Arial"/>
-              <a:ea typeface="Arial"/>
-              <a:cs typeface="Arial"/>
-              <a:sym typeface="Arial"/>
-            </a:endParaRPr>
-          </a:p>
-          <a:p>
-            <a:pPr marL="0" lvl="0" indent="0" algn="just" rtl="0">
-              <a:lnSpc>
-                <a:spcPct val="95000"/>
-              </a:lnSpc>
-              <a:spcBef>
-                <a:spcPts val="0"/>
-              </a:spcBef>
-              <a:spcAft>
-                <a:spcPts val="0"/>
-              </a:spcAft>
-              <a:buSzPts val="935"/>
-              <a:buNone/>
-            </a:pPr>
-            <a:r>
-              <a:rPr lang="en-US" altLang="zh-CN" sz="1120" dirty="0">
-                <a:solidFill>
-                  <a:srgbClr val="000000"/>
-                </a:solidFill>
-                <a:latin typeface="Arial"/>
-                <a:ea typeface="Arial"/>
-                <a:cs typeface="Arial"/>
-                <a:sym typeface="Arial"/>
-              </a:rPr>
-              <a:t>            We noticed that the best result </a:t>
-            </a:r>
-            <a:r>
-              <a:rPr lang="zh-CN" sz="1120" dirty="0">
-                <a:solidFill>
-                  <a:srgbClr val="000000"/>
-                </a:solidFill>
-                <a:latin typeface="Arial"/>
-                <a:ea typeface="Arial"/>
-                <a:cs typeface="Arial"/>
-                <a:sym typeface="Arial"/>
-              </a:rPr>
-              <a:t>on the LIAR-PLUS test set</a:t>
-            </a:r>
-            <a:r>
-              <a:rPr lang="en-US" altLang="zh-CN" sz="1120" dirty="0">
-                <a:solidFill>
-                  <a:srgbClr val="000000"/>
-                </a:solidFill>
-                <a:latin typeface="Arial"/>
-                <a:ea typeface="Arial"/>
-                <a:cs typeface="Arial"/>
-                <a:sym typeface="Arial"/>
-              </a:rPr>
-              <a:t> is</a:t>
-            </a:r>
-            <a:r>
-              <a:rPr lang="zh-CN" sz="1120" dirty="0">
-                <a:solidFill>
-                  <a:srgbClr val="000000"/>
-                </a:solidFill>
-                <a:latin typeface="Arial"/>
-                <a:ea typeface="Arial"/>
-                <a:cs typeface="Arial"/>
-                <a:sym typeface="Arial"/>
-              </a:rPr>
-              <a:t> </a:t>
-            </a:r>
-            <a:r>
-              <a:rPr lang="zh-CN" sz="1120" b="1" dirty="0">
-                <a:solidFill>
-                  <a:srgbClr val="000000"/>
-                </a:solidFill>
-                <a:latin typeface="Arial"/>
-                <a:ea typeface="Arial"/>
-                <a:cs typeface="Arial"/>
-                <a:sym typeface="Arial"/>
-              </a:rPr>
-              <a:t>77.2% </a:t>
-            </a:r>
-            <a:r>
-              <a:rPr lang="zh-CN" sz="1120" dirty="0">
-                <a:solidFill>
-                  <a:srgbClr val="000000"/>
-                </a:solidFill>
-                <a:latin typeface="Arial"/>
-                <a:ea typeface="Arial"/>
-                <a:cs typeface="Arial"/>
-                <a:sym typeface="Arial"/>
-              </a:rPr>
-              <a:t>accuracy for binary classification, and a </a:t>
-            </a:r>
-            <a:r>
-              <a:rPr lang="zh-CN" sz="1120" b="1" dirty="0">
-                <a:solidFill>
-                  <a:srgbClr val="000000"/>
-                </a:solidFill>
-                <a:latin typeface="Arial"/>
-                <a:ea typeface="Arial"/>
-                <a:cs typeface="Arial"/>
-                <a:sym typeface="Arial"/>
-              </a:rPr>
-              <a:t>37.4% </a:t>
-            </a:r>
-            <a:r>
-              <a:rPr lang="zh-CN" sz="1120" dirty="0">
-                <a:solidFill>
-                  <a:srgbClr val="000000"/>
-                </a:solidFill>
-                <a:latin typeface="Arial"/>
-                <a:ea typeface="Arial"/>
-                <a:cs typeface="Arial"/>
-                <a:sym typeface="Arial"/>
-              </a:rPr>
-              <a:t>accuracy for 6-class classification. </a:t>
-            </a:r>
-            <a:endParaRPr sz="1120" dirty="0">
-              <a:solidFill>
-                <a:srgbClr val="000000"/>
-              </a:solidFill>
-              <a:latin typeface="Arial"/>
-              <a:ea typeface="Arial"/>
-              <a:cs typeface="Arial"/>
-              <a:sym typeface="Arial"/>
-            </a:endParaRPr>
-          </a:p>
-          <a:p>
-            <a:pPr marL="0" lvl="0" indent="0" algn="l" rtl="0">
-              <a:lnSpc>
-                <a:spcPct val="95000"/>
-              </a:lnSpc>
-              <a:spcBef>
-                <a:spcPts val="0"/>
-              </a:spcBef>
-              <a:spcAft>
-                <a:spcPts val="1200"/>
-              </a:spcAft>
-              <a:buSzPts val="935"/>
-              <a:buNone/>
-            </a:pPr>
-            <a:endParaRPr sz="1629" dirty="0">
               <a:latin typeface="Arial"/>
               <a:ea typeface="Arial"/>
               <a:cs typeface="Arial"/>

--- a/milestone 4/Fake News Detection.pptx
+++ b/milestone 4/Fake News Detection.pptx
@@ -11581,7 +11581,7 @@
               <a:buNone/>
             </a:pPr>
             <a:r>
-              <a:rPr lang="zh-CN" sz="1300">
+              <a:rPr lang="zh-CN" sz="1300" dirty="0">
                 <a:solidFill>
                   <a:srgbClr val="000000"/>
                 </a:solidFill>
@@ -11590,9 +11590,105 @@
                 <a:cs typeface="Arial"/>
                 <a:sym typeface="Arial"/>
               </a:rPr>
-              <a:t>Traditional RNNs may have problems on long-term dependencies due to the vanishing gradient problem. LSTMs solves this with the structure of input, forget, and output gates. It allow them to retain information over longer periods, which is crucial for understanding the context in news articles. Unlike feedforward networks, LSTMs can model sequences of variable lengths, which is essential in news content where article lengths can vary significantly. In this project, the LSTM structure is a double-layered LSTM with 128 hidden units per layer, incorporating dropout of 0.5 for regularization. The batch size is 64. It processes input features through these LSTM layers, followed by a dropout and a linear layer, to perform binary classification of textual data for fake news detection.</a:t>
+              <a:t>Traditional RNNs may have problems on long-term dependencies due to the vanishing gradient problem. LSTMs solves this with the structure of input, forget, and output gates. It allow</a:t>
             </a:r>
-            <a:endParaRPr sz="1300">
+            <a:r>
+              <a:rPr lang="en-US" altLang="zh-CN" sz="1300" dirty="0">
+                <a:solidFill>
+                  <a:srgbClr val="000000"/>
+                </a:solidFill>
+                <a:latin typeface="Arial"/>
+                <a:ea typeface="Arial"/>
+                <a:cs typeface="Arial"/>
+                <a:sym typeface="Arial"/>
+              </a:rPr>
+              <a:t>s</a:t>
+            </a:r>
+            <a:r>
+              <a:rPr lang="zh-CN" sz="1300" dirty="0">
+                <a:solidFill>
+                  <a:srgbClr val="000000"/>
+                </a:solidFill>
+                <a:latin typeface="Arial"/>
+                <a:ea typeface="Arial"/>
+                <a:cs typeface="Arial"/>
+                <a:sym typeface="Arial"/>
+              </a:rPr>
+              <a:t> them to retain information over longer periods, which is crucial for understanding the context in news articles. Unlike feedforward networks, LSTMs can model sequences of variable lengths, which is essential in news content where article lengths can vary </a:t>
+            </a:r>
+            <a:r>
+              <a:rPr lang="zh-CN" sz="1300">
+                <a:solidFill>
+                  <a:srgbClr val="000000"/>
+                </a:solidFill>
+                <a:latin typeface="Arial"/>
+                <a:ea typeface="Arial"/>
+                <a:cs typeface="Arial"/>
+                <a:sym typeface="Arial"/>
+              </a:rPr>
+              <a:t>significantly</a:t>
+            </a:r>
+            <a:r>
+              <a:rPr lang="en-US" altLang="zh-CN" sz="1300">
+                <a:solidFill>
+                  <a:srgbClr val="000000"/>
+                </a:solidFill>
+                <a:latin typeface="Arial"/>
+                <a:ea typeface="Arial"/>
+                <a:cs typeface="Arial"/>
+                <a:sym typeface="Arial"/>
+              </a:rPr>
+              <a:t> different</a:t>
+            </a:r>
+            <a:r>
+              <a:rPr lang="zh-CN" sz="1300">
+                <a:solidFill>
+                  <a:srgbClr val="000000"/>
+                </a:solidFill>
+                <a:latin typeface="Arial"/>
+                <a:ea typeface="Arial"/>
+                <a:cs typeface="Arial"/>
+                <a:sym typeface="Arial"/>
+              </a:rPr>
+              <a:t>. </a:t>
+            </a:r>
+            <a:r>
+              <a:rPr lang="zh-CN" sz="1300" dirty="0">
+                <a:solidFill>
+                  <a:srgbClr val="000000"/>
+                </a:solidFill>
+                <a:latin typeface="Arial"/>
+                <a:ea typeface="Arial"/>
+                <a:cs typeface="Arial"/>
+                <a:sym typeface="Arial"/>
+              </a:rPr>
+              <a:t>In this project, the </a:t>
+            </a:r>
+            <a:r>
+              <a:rPr lang="en-US" altLang="zh-CN" sz="1300" dirty="0">
+                <a:solidFill>
+                  <a:srgbClr val="000000"/>
+                </a:solidFill>
+                <a:latin typeface="Arial"/>
+                <a:ea typeface="Arial"/>
+                <a:cs typeface="Arial"/>
+                <a:sym typeface="Arial"/>
+              </a:rPr>
+              <a:t>strong baseline</a:t>
+            </a:r>
+            <a:r>
+              <a:rPr lang="zh-CN" sz="1300" dirty="0">
+                <a:solidFill>
+                  <a:srgbClr val="000000"/>
+                </a:solidFill>
+                <a:latin typeface="Arial"/>
+                <a:ea typeface="Arial"/>
+                <a:cs typeface="Arial"/>
+                <a:sym typeface="Arial"/>
+              </a:rPr>
+              <a:t> structure is a double-layered LSTM with 128 hidden units per layer, incorporating dropout of 0.5 for regularization. The batch size is 64. It processes input features through these LSTM layers, followed by a dropout and a linear layer, to perform binary classification for fake news detection.</a:t>
+            </a:r>
+            <a:endParaRPr sz="1300" dirty="0">
               <a:solidFill>
                 <a:srgbClr val="000000"/>
               </a:solidFill>
@@ -11612,7 +11708,7 @@
               </a:spcAft>
               <a:buNone/>
             </a:pPr>
-            <a:endParaRPr/>
+            <a:endParaRPr dirty="0"/>
           </a:p>
         </p:txBody>
       </p:sp>
@@ -11831,7 +11927,31 @@
                 <a:cs typeface="Arial"/>
                 <a:sym typeface="Arial"/>
               </a:rPr>
-              <a:t> from the transformers library to load the tokenizer and model, respectively. For model training, we employed the AdamW optimizer, which introduces weight decay to address potential overfitting issues with Adam in certain cases. The learning rate was set to 2e-5, and weight decay was set to 0.01. Additionally, we used a learning rate scheduler, starting with a small learning rate in the early training stages, gradually increasing it, and then maintaining a relatively stable learning rate in the later stages. This helps improve the model's stability in the early training phase and accelerates convergence in the later stages. We set the warm-up steps to 0.1 times the total steps.</a:t>
+              <a:t> from the transformers library to load the tokenizer and model. For model training, we employed the AdamW optimizer, which introduces weight decay to address potential overfitting issues with Adam in certain cases. The learning rate was set to 2e-5, and weight decay was set to 0.01. Additionally, we used a learning rate scheduler, starting with a small learning rate in the early training stages, gradually increasing it, and then maintaining a relatively stable learning rate in the later stages. This helps improve the model's stability in the early training phase and accelerates convergence in the later stages. We set the warm-up steps to </a:t>
+            </a:r>
+            <a:r>
+              <a:rPr lang="en-US" altLang="zh-CN" sz="1300" dirty="0">
+                <a:solidFill>
+                  <a:srgbClr val="000000"/>
+                </a:solidFill>
+                <a:latin typeface="Arial"/>
+                <a:ea typeface="Arial"/>
+                <a:cs typeface="Arial"/>
+                <a:sym typeface="Arial"/>
+              </a:rPr>
+              <a:t>10 % of </a:t>
+            </a:r>
+            <a:r>
+              <a:rPr lang="zh-CN" sz="1300" dirty="0">
+                <a:solidFill>
+                  <a:srgbClr val="000000"/>
+                </a:solidFill>
+                <a:latin typeface="Arial"/>
+                <a:ea typeface="Arial"/>
+                <a:cs typeface="Arial"/>
+                <a:sym typeface="Arial"/>
+              </a:rPr>
+              <a:t>the total steps.</a:t>
             </a:r>
             <a:endParaRPr sz="1300" dirty="0">
               <a:solidFill>
